--- a/Lab 8/Lab 8 bài giảng.pptx
+++ b/Lab 8/Lab 8 bài giảng.pptx
@@ -214,6 +214,60 @@
           <ac:spMkLst>
             <pc:docMk/>
             <pc:sldMk cId="1090735137" sldId="314"/>
+            <ac:spMk id="3" creationId="{00000000-0000-0000-0000-000000000000}"/>
+          </ac:spMkLst>
+        </pc:spChg>
+      </pc:sldChg>
+    </pc:docChg>
+  </pc:docChgLst>
+  <pc:docChgLst>
+    <pc:chgData name="Hang Anh Le" userId="afddc9ce3bd7fde8" providerId="LiveId" clId="{FAEE7ACF-2B20-4F8E-A08C-975DEEBA7484}"/>
+    <pc:docChg chg="modSld">
+      <pc:chgData name="Hang Anh Le" userId="afddc9ce3bd7fde8" providerId="LiveId" clId="{FAEE7ACF-2B20-4F8E-A08C-975DEEBA7484}" dt="2024-05-11T08:15:19.797" v="7" actId="20577"/>
+      <pc:docMkLst>
+        <pc:docMk/>
+      </pc:docMkLst>
+      <pc:sldChg chg="modSp mod">
+        <pc:chgData name="Hang Anh Le" userId="afddc9ce3bd7fde8" providerId="LiveId" clId="{FAEE7ACF-2B20-4F8E-A08C-975DEEBA7484}" dt="2024-05-11T05:58:41.547" v="0" actId="113"/>
+        <pc:sldMkLst>
+          <pc:docMk/>
+          <pc:sldMk cId="1090735137" sldId="314"/>
+        </pc:sldMkLst>
+        <pc:spChg chg="mod">
+          <ac:chgData name="Hang Anh Le" userId="afddc9ce3bd7fde8" providerId="LiveId" clId="{FAEE7ACF-2B20-4F8E-A08C-975DEEBA7484}" dt="2024-05-11T05:58:41.547" v="0" actId="113"/>
+          <ac:spMkLst>
+            <pc:docMk/>
+            <pc:sldMk cId="1090735137" sldId="314"/>
+            <ac:spMk id="3" creationId="{00000000-0000-0000-0000-000000000000}"/>
+          </ac:spMkLst>
+        </pc:spChg>
+      </pc:sldChg>
+      <pc:sldChg chg="modSp mod">
+        <pc:chgData name="Hang Anh Le" userId="afddc9ce3bd7fde8" providerId="LiveId" clId="{FAEE7ACF-2B20-4F8E-A08C-975DEEBA7484}" dt="2024-05-11T08:15:19.797" v="7" actId="20577"/>
+        <pc:sldMkLst>
+          <pc:docMk/>
+          <pc:sldMk cId="3957802649" sldId="315"/>
+        </pc:sldMkLst>
+        <pc:spChg chg="mod">
+          <ac:chgData name="Hang Anh Le" userId="afddc9ce3bd7fde8" providerId="LiveId" clId="{FAEE7ACF-2B20-4F8E-A08C-975DEEBA7484}" dt="2024-05-11T08:15:19.797" v="7" actId="20577"/>
+          <ac:spMkLst>
+            <pc:docMk/>
+            <pc:sldMk cId="3957802649" sldId="315"/>
+            <ac:spMk id="3" creationId="{00000000-0000-0000-0000-000000000000}"/>
+          </ac:spMkLst>
+        </pc:spChg>
+      </pc:sldChg>
+      <pc:sldChg chg="modSp mod">
+        <pc:chgData name="Hang Anh Le" userId="afddc9ce3bd7fde8" providerId="LiveId" clId="{FAEE7ACF-2B20-4F8E-A08C-975DEEBA7484}" dt="2024-05-11T06:42:15.903" v="2" actId="113"/>
+        <pc:sldMkLst>
+          <pc:docMk/>
+          <pc:sldMk cId="2137080519" sldId="359"/>
+        </pc:sldMkLst>
+        <pc:spChg chg="mod">
+          <ac:chgData name="Hang Anh Le" userId="afddc9ce3bd7fde8" providerId="LiveId" clId="{FAEE7ACF-2B20-4F8E-A08C-975DEEBA7484}" dt="2024-05-11T06:42:15.903" v="2" actId="113"/>
+          <ac:spMkLst>
+            <pc:docMk/>
+            <pc:sldMk cId="2137080519" sldId="359"/>
             <ac:spMk id="3" creationId="{00000000-0000-0000-0000-000000000000}"/>
           </ac:spMkLst>
         </pc:spChg>
@@ -5525,14 +5579,14 @@
               <a:buNone/>
             </a:pPr>
             <a:r>
-              <a:rPr lang="en-US" altLang="en-US" dirty="0"/>
+              <a:rPr lang="en-US" altLang="en-US" b="1" dirty="0"/>
               <a:t>+ </a:t>
             </a:r>
             <a:r>
-              <a:rPr lang="vi-VN" altLang="en-US" dirty="0"/>
+              <a:rPr lang="vi-VN" altLang="en-US" b="1" dirty="0"/>
               <a:t>Tham số **kwargs:</a:t>
             </a:r>
-            <a:endParaRPr lang="en-US" altLang="en-US" dirty="0"/>
+            <a:endParaRPr lang="en-US" altLang="en-US" b="1" dirty="0"/>
           </a:p>
           <a:p>
             <a:pPr marL="0" indent="0">
@@ -5544,7 +5598,11 @@
             </a:r>
             <a:r>
               <a:rPr lang="vi-VN" altLang="en-US" dirty="0"/>
-              <a:t>Tham số **kwargs cho phép bạn truyền vào hàm một số lượng đối số không xác định dưới dạng một từ điển (dictionary).</a:t>
+              <a:t>Tham số **kwargs cho phép bạn truyền vào hàm một số lượng đối số không xác định dưới dạng một từ điển </a:t>
+            </a:r>
+            <a:r>
+              <a:rPr lang="vi-VN" altLang="en-US" b="1" dirty="0"/>
+              <a:t>(dictionary).</a:t>
             </a:r>
           </a:p>
           <a:p>
@@ -17776,7 +17834,15 @@
             </a:r>
             <a:r>
               <a:rPr lang="vi-VN" dirty="0"/>
-              <a:t> in ra màn hình số kể tiếp của số nguyên được người dùng nhập vào từ bàn phím.</a:t>
+              <a:t> in ra màn hình số k</a:t>
+            </a:r>
+            <a:r>
+              <a:rPr lang="en-US" dirty="0"/>
+              <a:t>ế</a:t>
+            </a:r>
+            <a:r>
+              <a:rPr lang="vi-VN" dirty="0"/>
+              <a:t> tiếp của số nguyên được người dùng nhập vào từ bàn phím.</a:t>
             </a:r>
             <a:endParaRPr lang="en-US" dirty="0"/>
           </a:p>
@@ -21919,7 +21985,15 @@
             </a:r>
             <a:r>
               <a:rPr lang="vi-VN" altLang="en-US" dirty="0"/>
-              <a:t>Hàm không có tham số trong Python là những hàm mà không yêu cầu bất kỳ tham số nào khi được gọi. Điều này có nghĩa là bạn không cần truyền bất kỳ giá trị nào vào hàm khi gọi nó.</a:t>
+              <a:t>Hàm không có tham số trong Python là những hàm mà </a:t>
+            </a:r>
+            <a:r>
+              <a:rPr lang="vi-VN" altLang="en-US" b="1" dirty="0"/>
+              <a:t>không yêu cầu bất kỳ tham số nào </a:t>
+            </a:r>
+            <a:r>
+              <a:rPr lang="vi-VN" altLang="en-US" dirty="0"/>
+              <a:t>khi được gọi. Điều này có nghĩa là bạn không cần truyền bất kỳ giá trị nào vào hàm khi gọi nó.</a:t>
             </a:r>
             <a:endParaRPr lang="en-US" altLang="en-US" dirty="0"/>
           </a:p>
